--- a/기획/UI.pptx
+++ b/기획/UI.pptx
@@ -109,6 +109,11 @@
       </a:defRPr>
     </a:lvl9pPr>
   </p:defaultTextStyle>
+  <p:extLst>
+    <p:ext uri="{EFAFB233-063F-42B5-8137-9DF3F51BA10A}">
+      <p15:sldGuideLst xmlns:p15="http://schemas.microsoft.com/office/powerpoint/2012/main"/>
+    </p:ext>
+  </p:extLst>
 </p:presentation>
 </file>
 
@@ -259,7 +264,7 @@
           <a:p>
             <a:fld id="{3A036B1C-BE04-40B6-A680-193E2F09E1AE}" type="datetimeFigureOut">
               <a:rPr lang="ko-KR" altLang="en-US" smtClean="0"/>
-              <a:t>2023-02-18</a:t>
+              <a:t>2023-02-21</a:t>
             </a:fld>
             <a:endParaRPr lang="ko-KR" altLang="en-US"/>
           </a:p>
@@ -457,7 +462,7 @@
           <a:p>
             <a:fld id="{3A036B1C-BE04-40B6-A680-193E2F09E1AE}" type="datetimeFigureOut">
               <a:rPr lang="ko-KR" altLang="en-US" smtClean="0"/>
-              <a:t>2023-02-18</a:t>
+              <a:t>2023-02-21</a:t>
             </a:fld>
             <a:endParaRPr lang="ko-KR" altLang="en-US"/>
           </a:p>
@@ -665,7 +670,7 @@
           <a:p>
             <a:fld id="{3A036B1C-BE04-40B6-A680-193E2F09E1AE}" type="datetimeFigureOut">
               <a:rPr lang="ko-KR" altLang="en-US" smtClean="0"/>
-              <a:t>2023-02-18</a:t>
+              <a:t>2023-02-21</a:t>
             </a:fld>
             <a:endParaRPr lang="ko-KR" altLang="en-US"/>
           </a:p>
@@ -863,7 +868,7 @@
           <a:p>
             <a:fld id="{3A036B1C-BE04-40B6-A680-193E2F09E1AE}" type="datetimeFigureOut">
               <a:rPr lang="ko-KR" altLang="en-US" smtClean="0"/>
-              <a:t>2023-02-18</a:t>
+              <a:t>2023-02-21</a:t>
             </a:fld>
             <a:endParaRPr lang="ko-KR" altLang="en-US"/>
           </a:p>
@@ -1138,7 +1143,7 @@
           <a:p>
             <a:fld id="{3A036B1C-BE04-40B6-A680-193E2F09E1AE}" type="datetimeFigureOut">
               <a:rPr lang="ko-KR" altLang="en-US" smtClean="0"/>
-              <a:t>2023-02-18</a:t>
+              <a:t>2023-02-21</a:t>
             </a:fld>
             <a:endParaRPr lang="ko-KR" altLang="en-US"/>
           </a:p>
@@ -1403,7 +1408,7 @@
           <a:p>
             <a:fld id="{3A036B1C-BE04-40B6-A680-193E2F09E1AE}" type="datetimeFigureOut">
               <a:rPr lang="ko-KR" altLang="en-US" smtClean="0"/>
-              <a:t>2023-02-18</a:t>
+              <a:t>2023-02-21</a:t>
             </a:fld>
             <a:endParaRPr lang="ko-KR" altLang="en-US"/>
           </a:p>
@@ -1815,7 +1820,7 @@
           <a:p>
             <a:fld id="{3A036B1C-BE04-40B6-A680-193E2F09E1AE}" type="datetimeFigureOut">
               <a:rPr lang="ko-KR" altLang="en-US" smtClean="0"/>
-              <a:t>2023-02-18</a:t>
+              <a:t>2023-02-21</a:t>
             </a:fld>
             <a:endParaRPr lang="ko-KR" altLang="en-US"/>
           </a:p>
@@ -1956,7 +1961,7 @@
           <a:p>
             <a:fld id="{3A036B1C-BE04-40B6-A680-193E2F09E1AE}" type="datetimeFigureOut">
               <a:rPr lang="ko-KR" altLang="en-US" smtClean="0"/>
-              <a:t>2023-02-18</a:t>
+              <a:t>2023-02-21</a:t>
             </a:fld>
             <a:endParaRPr lang="ko-KR" altLang="en-US"/>
           </a:p>
@@ -2069,7 +2074,7 @@
           <a:p>
             <a:fld id="{3A036B1C-BE04-40B6-A680-193E2F09E1AE}" type="datetimeFigureOut">
               <a:rPr lang="ko-KR" altLang="en-US" smtClean="0"/>
-              <a:t>2023-02-18</a:t>
+              <a:t>2023-02-21</a:t>
             </a:fld>
             <a:endParaRPr lang="ko-KR" altLang="en-US"/>
           </a:p>
@@ -2380,7 +2385,7 @@
           <a:p>
             <a:fld id="{3A036B1C-BE04-40B6-A680-193E2F09E1AE}" type="datetimeFigureOut">
               <a:rPr lang="ko-KR" altLang="en-US" smtClean="0"/>
-              <a:t>2023-02-18</a:t>
+              <a:t>2023-02-21</a:t>
             </a:fld>
             <a:endParaRPr lang="ko-KR" altLang="en-US"/>
           </a:p>
@@ -2668,7 +2673,7 @@
           <a:p>
             <a:fld id="{3A036B1C-BE04-40B6-A680-193E2F09E1AE}" type="datetimeFigureOut">
               <a:rPr lang="ko-KR" altLang="en-US" smtClean="0"/>
-              <a:t>2023-02-18</a:t>
+              <a:t>2023-02-21</a:t>
             </a:fld>
             <a:endParaRPr lang="ko-KR" altLang="en-US"/>
           </a:p>
@@ -2909,7 +2914,7 @@
           <a:p>
             <a:fld id="{3A036B1C-BE04-40B6-A680-193E2F09E1AE}" type="datetimeFigureOut">
               <a:rPr lang="ko-KR" altLang="en-US" smtClean="0"/>
-              <a:t>2023-02-18</a:t>
+              <a:t>2023-02-21</a:t>
             </a:fld>
             <a:endParaRPr lang="ko-KR" altLang="en-US"/>
           </a:p>
@@ -9213,7 +9218,7 @@
           <a:lstStyle/>
           <a:p>
             <a:r>
-              <a:rPr lang="ko-KR" altLang="en-US" sz="1000" b="1" err="1"/>
+              <a:rPr lang="ko-KR" altLang="en-US" sz="1000" b="1" dirty="0" err="1"/>
               <a:t>디버프</a:t>
             </a:r>
             <a:r>
@@ -9252,7 +9257,7 @@
           <a:lstStyle/>
           <a:p>
             <a:r>
-              <a:rPr lang="ko-KR" altLang="en-US" sz="1000" b="1" err="1"/>
+              <a:rPr lang="ko-KR" altLang="en-US" sz="1000" b="1" dirty="0" err="1"/>
               <a:t>디버프</a:t>
             </a:r>
             <a:r>
@@ -14576,7 +14581,7 @@
           <a:lstStyle/>
           <a:p>
             <a:pPr algn="ctr"/>
-            <a:endParaRPr lang="ko-KR" altLang="en-US"/>
+            <a:endParaRPr lang="ko-KR" altLang="en-US" dirty="0"/>
           </a:p>
         </p:txBody>
       </p:sp>
@@ -19889,10 +19894,10 @@
       </p:sp>
       <p:sp>
         <p:nvSpPr>
-          <p:cNvPr id="53" name="타원 52">
-            <a:extLst>
-              <a:ext uri="{FF2B5EF4-FFF2-40B4-BE49-F238E27FC236}">
-                <a16:creationId xmlns:a16="http://schemas.microsoft.com/office/drawing/2014/main" id="{9D5CABB3-5D1A-5D1D-920B-B6A7C987870B}"/>
+          <p:cNvPr id="54" name="타원 53">
+            <a:extLst>
+              <a:ext uri="{FF2B5EF4-FFF2-40B4-BE49-F238E27FC236}">
+                <a16:creationId xmlns:a16="http://schemas.microsoft.com/office/drawing/2014/main" id="{B2BC1F41-CCE9-207B-D895-57651E916812}"/>
               </a:ext>
             </a:extLst>
           </p:cNvPr>
@@ -19901,7 +19906,7 @@
         </p:nvSpPr>
         <p:spPr>
           <a:xfrm>
-            <a:off x="1054456" y="3795411"/>
+            <a:off x="1386417" y="3784691"/>
             <a:ext cx="653138" cy="675861"/>
           </a:xfrm>
           <a:prstGeom prst="ellipse">
@@ -19941,10 +19946,10 @@
       </p:sp>
       <p:sp>
         <p:nvSpPr>
-          <p:cNvPr id="54" name="타원 53">
-            <a:extLst>
-              <a:ext uri="{FF2B5EF4-FFF2-40B4-BE49-F238E27FC236}">
-                <a16:creationId xmlns:a16="http://schemas.microsoft.com/office/drawing/2014/main" id="{B2BC1F41-CCE9-207B-D895-57651E916812}"/>
+          <p:cNvPr id="55" name="타원 54">
+            <a:extLst>
+              <a:ext uri="{FF2B5EF4-FFF2-40B4-BE49-F238E27FC236}">
+                <a16:creationId xmlns:a16="http://schemas.microsoft.com/office/drawing/2014/main" id="{4F27CFA4-D9BB-016D-656B-534B99F795E0}"/>
               </a:ext>
             </a:extLst>
           </p:cNvPr>
@@ -19953,59 +19958,7 @@
         </p:nvSpPr>
         <p:spPr>
           <a:xfrm>
-            <a:off x="1766464" y="3795410"/>
-            <a:ext cx="653138" cy="675861"/>
-          </a:xfrm>
-          <a:prstGeom prst="ellipse">
-            <a:avLst/>
-          </a:prstGeom>
-          <a:noFill/>
-          <a:ln>
-            <a:solidFill>
-              <a:schemeClr val="tx1"/>
-            </a:solidFill>
-          </a:ln>
-        </p:spPr>
-        <p:style>
-          <a:lnRef idx="2">
-            <a:schemeClr val="accent1">
-              <a:shade val="50000"/>
-            </a:schemeClr>
-          </a:lnRef>
-          <a:fillRef idx="1">
-            <a:schemeClr val="accent1"/>
-          </a:fillRef>
-          <a:effectRef idx="0">
-            <a:schemeClr val="accent1"/>
-          </a:effectRef>
-          <a:fontRef idx="minor">
-            <a:schemeClr val="lt1"/>
-          </a:fontRef>
-        </p:style>
-        <p:txBody>
-          <a:bodyPr rtlCol="0" anchor="ctr"/>
-          <a:lstStyle/>
-          <a:p>
-            <a:pPr algn="ctr"/>
-            <a:endParaRPr lang="ko-KR" altLang="en-US"/>
-          </a:p>
-        </p:txBody>
-      </p:sp>
-      <p:sp>
-        <p:nvSpPr>
-          <p:cNvPr id="55" name="타원 54">
-            <a:extLst>
-              <a:ext uri="{FF2B5EF4-FFF2-40B4-BE49-F238E27FC236}">
-                <a16:creationId xmlns:a16="http://schemas.microsoft.com/office/drawing/2014/main" id="{4F27CFA4-D9BB-016D-656B-534B99F795E0}"/>
-              </a:ext>
-            </a:extLst>
-          </p:cNvPr>
-          <p:cNvSpPr/>
-          <p:nvPr/>
-        </p:nvSpPr>
-        <p:spPr>
-          <a:xfrm>
-            <a:off x="2482274" y="3795410"/>
+            <a:off x="2102227" y="3784691"/>
             <a:ext cx="653138" cy="675861"/>
           </a:xfrm>
           <a:prstGeom prst="ellipse">
@@ -21652,7 +21605,7 @@
         </p:nvSpPr>
         <p:spPr>
           <a:xfrm>
-            <a:off x="1717533" y="3751599"/>
+            <a:off x="1723482" y="2924110"/>
             <a:ext cx="747800" cy="766987"/>
           </a:xfrm>
           <a:prstGeom prst="rect">
@@ -21704,7 +21657,7 @@
         </p:nvGrpSpPr>
         <p:grpSpPr>
           <a:xfrm>
-            <a:off x="1586616" y="3654222"/>
+            <a:off x="1592565" y="2826733"/>
             <a:ext cx="249133" cy="254598"/>
             <a:chOff x="7380243" y="559110"/>
             <a:chExt cx="400050" cy="408827"/>
@@ -21814,7 +21767,7 @@
         </p:nvSpPr>
         <p:spPr>
           <a:xfrm>
-            <a:off x="1727775" y="3761188"/>
+            <a:off x="1748557" y="2930775"/>
             <a:ext cx="723466" cy="748635"/>
           </a:xfrm>
           <a:prstGeom prst="ellipse">
@@ -21849,6 +21802,76 @@
           <a:p>
             <a:pPr algn="ctr"/>
             <a:endParaRPr lang="ko-KR" altLang="en-US"/>
+          </a:p>
+        </p:txBody>
+      </p:sp>
+      <p:sp>
+        <p:nvSpPr>
+          <p:cNvPr id="43" name="TextBox 42">
+            <a:extLst>
+              <a:ext uri="{FF2B5EF4-FFF2-40B4-BE49-F238E27FC236}">
+                <a16:creationId xmlns:a16="http://schemas.microsoft.com/office/drawing/2014/main" id="{2ADB4704-5DFF-715D-4ED2-C54550DE8A15}"/>
+              </a:ext>
+            </a:extLst>
+          </p:cNvPr>
+          <p:cNvSpPr txBox="1"/>
+          <p:nvPr/>
+        </p:nvSpPr>
+        <p:spPr>
+          <a:xfrm>
+            <a:off x="1488252" y="3999131"/>
+            <a:ext cx="468593" cy="246221"/>
+          </a:xfrm>
+          <a:prstGeom prst="rect">
+            <a:avLst/>
+          </a:prstGeom>
+          <a:noFill/>
+        </p:spPr>
+        <p:txBody>
+          <a:bodyPr wrap="square" rtlCol="0">
+            <a:spAutoFit/>
+          </a:bodyPr>
+          <a:lstStyle/>
+          <a:p>
+            <a:r>
+              <a:rPr lang="ko-KR" altLang="en-US" sz="1000" dirty="0"/>
+              <a:t>식량</a:t>
+            </a:r>
+          </a:p>
+        </p:txBody>
+      </p:sp>
+      <p:sp>
+        <p:nvSpPr>
+          <p:cNvPr id="47" name="TextBox 46">
+            <a:extLst>
+              <a:ext uri="{FF2B5EF4-FFF2-40B4-BE49-F238E27FC236}">
+                <a16:creationId xmlns:a16="http://schemas.microsoft.com/office/drawing/2014/main" id="{C41F5027-E016-5AFD-04B3-458286AB3C22}"/>
+              </a:ext>
+            </a:extLst>
+          </p:cNvPr>
+          <p:cNvSpPr txBox="1"/>
+          <p:nvPr/>
+        </p:nvSpPr>
+        <p:spPr>
+          <a:xfrm>
+            <a:off x="2154218" y="3999130"/>
+            <a:ext cx="581996" cy="246221"/>
+          </a:xfrm>
+          <a:prstGeom prst="rect">
+            <a:avLst/>
+          </a:prstGeom>
+          <a:noFill/>
+        </p:spPr>
+        <p:txBody>
+          <a:bodyPr wrap="square" rtlCol="0">
+            <a:spAutoFit/>
+          </a:bodyPr>
+          <a:lstStyle/>
+          <a:p>
+            <a:r>
+              <a:rPr lang="ko-KR" altLang="en-US" sz="1000" dirty="0"/>
+              <a:t>방독면</a:t>
+            </a:r>
           </a:p>
         </p:txBody>
       </p:sp>
